--- a/profile, login, signup screen.pptx
+++ b/profile, login, signup screen.pptx
@@ -105,6 +105,11 @@
       </a:defRPr>
     </a:lvl9pPr>
   </p:defaultTextStyle>
+  <p:extLst>
+    <p:ext uri="{EFAFB233-063F-42B5-8137-9DF3F51BA10A}">
+      <p15:sldGuideLst xmlns:p15="http://schemas.microsoft.com/office/powerpoint/2012/main"/>
+    </p:ext>
+  </p:extLst>
 </p:presentation>
 </file>
 
@@ -3372,6 +3377,15 @@
           <a:bodyPr/>
           <a:lstStyle/>
           <a:p>
+            <a:pPr marL="0" indent="0">
+              <a:buNone/>
+            </a:pPr>
+            <a:r>
+              <a:rPr lang="id-ID" dirty="0">
+                <a:hlinkClick r:id="rId2"/>
+              </a:rPr>
+              <a:t>Link</a:t>
+            </a:r>
             <a:endParaRPr lang="id-ID" dirty="0"/>
           </a:p>
         </p:txBody>
@@ -3456,7 +3470,67 @@
           <a:bodyPr/>
           <a:lstStyle/>
           <a:p>
-            <a:endParaRPr lang="id-ID"/>
+            <a:r>
+              <a:rPr lang="id-ID" dirty="0" err="1">
+                <a:hlinkClick r:id="rId2"/>
+              </a:rPr>
+              <a:t>Profile</a:t>
+            </a:r>
+            <a:r>
+              <a:rPr lang="id-ID" dirty="0">
+                <a:hlinkClick r:id="rId2"/>
+              </a:rPr>
+              <a:t> </a:t>
+            </a:r>
+            <a:r>
+              <a:rPr lang="id-ID" dirty="0" err="1">
+                <a:hlinkClick r:id="rId2"/>
+              </a:rPr>
+              <a:t>Screen</a:t>
+            </a:r>
+            <a:endParaRPr lang="en-US" dirty="0"/>
+          </a:p>
+          <a:p>
+            <a:r>
+              <a:rPr lang="id-ID" dirty="0" err="1">
+                <a:hlinkClick r:id="rId3"/>
+              </a:rPr>
+              <a:t>Login</a:t>
+            </a:r>
+            <a:r>
+              <a:rPr lang="id-ID" dirty="0">
+                <a:hlinkClick r:id="rId3"/>
+              </a:rPr>
+              <a:t> </a:t>
+            </a:r>
+            <a:r>
+              <a:rPr lang="id-ID" dirty="0" err="1">
+                <a:hlinkClick r:id="rId3"/>
+              </a:rPr>
+              <a:t>Screen</a:t>
+            </a:r>
+            <a:endParaRPr lang="en-US" dirty="0"/>
+          </a:p>
+          <a:p>
+            <a:r>
+              <a:rPr lang="id-ID" dirty="0" err="1">
+                <a:hlinkClick r:id="rId4"/>
+              </a:rPr>
+              <a:t>SignUp</a:t>
+            </a:r>
+            <a:r>
+              <a:rPr lang="id-ID" dirty="0">
+                <a:hlinkClick r:id="rId4"/>
+              </a:rPr>
+              <a:t> </a:t>
+            </a:r>
+            <a:r>
+              <a:rPr lang="id-ID" dirty="0" err="1">
+                <a:hlinkClick r:id="rId4"/>
+              </a:rPr>
+              <a:t>Screen</a:t>
+            </a:r>
+            <a:endParaRPr lang="id-ID" dirty="0"/>
           </a:p>
         </p:txBody>
       </p:sp>
